--- a/PROMO/hipy_at_the_movies.pptx
+++ b/PROMO/hipy_at_the_movies.pptx
@@ -104,7 +104,20 @@
       </a:defRPr>
     </a:lvl9pPr>
   </p:defaultTextStyle>
+  <p:extLst>
+    <p:ext uri="{EFAFB233-063F-42B5-8137-9DF3F51BA10A}">
+      <p15:sldGuideLst xmlns:p15="http://schemas.microsoft.com/office/powerpoint/2012/main"/>
+    </p:ext>
+  </p:extLst>
 </p:presentation>
+</file>
+
+<file path=ppt/revisionInfo.xml><?xml version="1.0" encoding="utf-8"?>
+<p1510:revInfo xmlns:a="http://schemas.openxmlformats.org/drawingml/2006/main" xmlns:r="http://schemas.openxmlformats.org/officeDocument/2006/relationships" xmlns:p1510="http://schemas.microsoft.com/office/powerpoint/2015/10/main">
+  <p1510:revLst>
+    <p1510:client id="{256E494C-9F18-4FC2-127D-1FEE9F03E790}" v="15" dt="2025-10-13T16:37:48.006"/>
+  </p1510:revLst>
+</p1510:revInfo>
 </file>
 
 <file path=ppt/slideLayouts/slideLayout1.xml><?xml version="1.0" encoding="utf-8"?>
@@ -256,7 +269,7 @@
           <a:p>
             <a:fld id="{35244D5F-F592-42DD-AB0F-64F4C55BCB9A}" type="datetimeFigureOut">
               <a:rPr lang="en-GB" smtClean="0"/>
-              <a:t>10/10/2025</a:t>
+              <a:t>13/10/2025</a:t>
             </a:fld>
             <a:endParaRPr lang="en-GB"/>
           </a:p>
@@ -456,7 +469,7 @@
           <a:p>
             <a:fld id="{35244D5F-F592-42DD-AB0F-64F4C55BCB9A}" type="datetimeFigureOut">
               <a:rPr lang="en-GB" smtClean="0"/>
-              <a:t>10/10/2025</a:t>
+              <a:t>13/10/2025</a:t>
             </a:fld>
             <a:endParaRPr lang="en-GB"/>
           </a:p>
@@ -666,7 +679,7 @@
           <a:p>
             <a:fld id="{35244D5F-F592-42DD-AB0F-64F4C55BCB9A}" type="datetimeFigureOut">
               <a:rPr lang="en-GB" smtClean="0"/>
-              <a:t>10/10/2025</a:t>
+              <a:t>13/10/2025</a:t>
             </a:fld>
             <a:endParaRPr lang="en-GB"/>
           </a:p>
@@ -866,7 +879,7 @@
           <a:p>
             <a:fld id="{35244D5F-F592-42DD-AB0F-64F4C55BCB9A}" type="datetimeFigureOut">
               <a:rPr lang="en-GB" smtClean="0"/>
-              <a:t>10/10/2025</a:t>
+              <a:t>13/10/2025</a:t>
             </a:fld>
             <a:endParaRPr lang="en-GB"/>
           </a:p>
@@ -1142,7 +1155,7 @@
           <a:p>
             <a:fld id="{35244D5F-F592-42DD-AB0F-64F4C55BCB9A}" type="datetimeFigureOut">
               <a:rPr lang="en-GB" smtClean="0"/>
-              <a:t>10/10/2025</a:t>
+              <a:t>13/10/2025</a:t>
             </a:fld>
             <a:endParaRPr lang="en-GB"/>
           </a:p>
@@ -1410,7 +1423,7 @@
           <a:p>
             <a:fld id="{35244D5F-F592-42DD-AB0F-64F4C55BCB9A}" type="datetimeFigureOut">
               <a:rPr lang="en-GB" smtClean="0"/>
-              <a:t>10/10/2025</a:t>
+              <a:t>13/10/2025</a:t>
             </a:fld>
             <a:endParaRPr lang="en-GB"/>
           </a:p>
@@ -1825,7 +1838,7 @@
           <a:p>
             <a:fld id="{35244D5F-F592-42DD-AB0F-64F4C55BCB9A}" type="datetimeFigureOut">
               <a:rPr lang="en-GB" smtClean="0"/>
-              <a:t>10/10/2025</a:t>
+              <a:t>13/10/2025</a:t>
             </a:fld>
             <a:endParaRPr lang="en-GB"/>
           </a:p>
@@ -1967,7 +1980,7 @@
           <a:p>
             <a:fld id="{35244D5F-F592-42DD-AB0F-64F4C55BCB9A}" type="datetimeFigureOut">
               <a:rPr lang="en-GB" smtClean="0"/>
-              <a:t>10/10/2025</a:t>
+              <a:t>13/10/2025</a:t>
             </a:fld>
             <a:endParaRPr lang="en-GB"/>
           </a:p>
@@ -2080,7 +2093,7 @@
           <a:p>
             <a:fld id="{35244D5F-F592-42DD-AB0F-64F4C55BCB9A}" type="datetimeFigureOut">
               <a:rPr lang="en-GB" smtClean="0"/>
-              <a:t>10/10/2025</a:t>
+              <a:t>13/10/2025</a:t>
             </a:fld>
             <a:endParaRPr lang="en-GB"/>
           </a:p>
@@ -2393,7 +2406,7 @@
           <a:p>
             <a:fld id="{35244D5F-F592-42DD-AB0F-64F4C55BCB9A}" type="datetimeFigureOut">
               <a:rPr lang="en-GB" smtClean="0"/>
-              <a:t>10/10/2025</a:t>
+              <a:t>13/10/2025</a:t>
             </a:fld>
             <a:endParaRPr lang="en-GB"/>
           </a:p>
@@ -2682,7 +2695,7 @@
           <a:p>
             <a:fld id="{35244D5F-F592-42DD-AB0F-64F4C55BCB9A}" type="datetimeFigureOut">
               <a:rPr lang="en-GB" smtClean="0"/>
-              <a:t>10/10/2025</a:t>
+              <a:t>13/10/2025</a:t>
             </a:fld>
             <a:endParaRPr lang="en-GB"/>
           </a:p>
@@ -2925,7 +2938,7 @@
           <a:p>
             <a:fld id="{35244D5F-F592-42DD-AB0F-64F4C55BCB9A}" type="datetimeFigureOut">
               <a:rPr lang="en-GB" smtClean="0"/>
-              <a:t>10/10/2025</a:t>
+              <a:t>13/10/2025</a:t>
             </a:fld>
             <a:endParaRPr lang="en-GB"/>
           </a:p>
@@ -3412,10 +3425,10 @@
       </p:sp>
       <p:pic>
         <p:nvPicPr>
-          <p:cNvPr id="9" name="Picture 8" descr="A marquee sign on a building&#10;&#10;AI-generated content may be incorrect.">
-            <a:extLst>
-              <a:ext uri="{FF2B5EF4-FFF2-40B4-BE49-F238E27FC236}">
-                <a16:creationId xmlns:a16="http://schemas.microsoft.com/office/drawing/2014/main" id="{0F6939CB-3519-1C9D-DE71-58CE45D29FCC}"/>
+          <p:cNvPr id="4" name="Picture 3" descr="A person on a ladder on a ladder next to a marquee sign&#10;&#10;AI-generated content may be incorrect.">
+            <a:extLst>
+              <a:ext uri="{FF2B5EF4-FFF2-40B4-BE49-F238E27FC236}">
+                <a16:creationId xmlns:a16="http://schemas.microsoft.com/office/drawing/2014/main" id="{C9774F32-9133-EE93-E70F-C1809D025609}"/>
               </a:ext>
             </a:extLst>
           </p:cNvPr>
@@ -3426,15 +3439,14 @@
         </p:nvPicPr>
         <p:blipFill>
           <a:blip r:embed="rId2"/>
-          <a:srcRect r="23298" b="9091"/>
           <a:stretch>
             <a:fillRect/>
           </a:stretch>
         </p:blipFill>
         <p:spPr>
           <a:xfrm>
-            <a:off x="3523488" y="10"/>
-            <a:ext cx="8668512" cy="6857990"/>
+            <a:off x="4009907" y="0"/>
+            <a:ext cx="10287000" cy="6858000"/>
           </a:xfrm>
           <a:prstGeom prst="rect">
             <a:avLst/>
